--- a/lectures/powerpoints/Architecture overview.pptx
+++ b/lectures/powerpoints/Architecture overview.pptx
@@ -150,7 +150,7 @@
 <file path=ppt/revisionInfo.xml><?xml version="1.0" encoding="utf-8"?>
 <p1510:revInfo xmlns:a="http://schemas.openxmlformats.org/drawingml/2006/main" xmlns:r="http://schemas.openxmlformats.org/officeDocument/2006/relationships" xmlns:p1510="http://schemas.microsoft.com/office/powerpoint/2015/10/main">
   <p1510:revLst>
-    <p1510:client id="{891C23FC-4921-4A15-A87B-40242AC8901F}" v="86" dt="2023-11-30T19:18:52.643"/>
+    <p1510:client id="{891C23FC-4921-4A15-A87B-40242AC8901F}" v="93" dt="2023-12-18T12:09:04.769"/>
   </p1510:revLst>
 </p1510:revInfo>
 </file>
@@ -212,7 +212,7 @@
           <a:p>
             <a:fld id="{237A3326-6BE8-4DE2-A526-66D6DC5DC342}" type="datetimeFigureOut">
               <a:rPr lang="en-GB" smtClean="0"/>
-              <a:t>03/12/2023</a:t>
+              <a:t>18/12/2023</a:t>
             </a:fld>
             <a:endParaRPr lang="en-GB"/>
           </a:p>
@@ -389,7 +389,7 @@
           <a:p>
             <a:fld id="{198E9702-0021-4473-93B9-41638846F4C4}" type="datetimeFigureOut">
               <a:rPr lang="en-GB" smtClean="0"/>
-              <a:t>03/12/2023</a:t>
+              <a:t>18/12/2023</a:t>
             </a:fld>
             <a:endParaRPr lang="en-GB"/>
           </a:p>
@@ -1069,7 +1069,7 @@
           <a:p>
             <a:fld id="{B1836D41-3C4D-1D49-AA54-4231464E6415}" type="datetimeFigureOut">
               <a:rPr lang="en-US" smtClean="0"/>
-              <a:t>12/3/2023</a:t>
+              <a:t>12/18/2023</a:t>
             </a:fld>
             <a:endParaRPr lang="en-US"/>
           </a:p>
@@ -1273,7 +1273,7 @@
           <a:p>
             <a:fld id="{B1836D41-3C4D-1D49-AA54-4231464E6415}" type="datetimeFigureOut">
               <a:rPr lang="en-US" smtClean="0"/>
-              <a:t>12/3/2023</a:t>
+              <a:t>12/18/2023</a:t>
             </a:fld>
             <a:endParaRPr lang="en-US"/>
           </a:p>
@@ -1454,7 +1454,7 @@
           <a:p>
             <a:fld id="{B1836D41-3C4D-1D49-AA54-4231464E6415}" type="datetimeFigureOut">
               <a:rPr lang="en-US" smtClean="0"/>
-              <a:t>12/3/2023</a:t>
+              <a:t>12/18/2023</a:t>
             </a:fld>
             <a:endParaRPr lang="en-US"/>
           </a:p>
@@ -1629,7 +1629,7 @@
           <a:p>
             <a:fld id="{B1836D41-3C4D-1D49-AA54-4231464E6415}" type="datetimeFigureOut">
               <a:rPr lang="en-US" smtClean="0"/>
-              <a:t>12/3/2023</a:t>
+              <a:t>12/18/2023</a:t>
             </a:fld>
             <a:endParaRPr lang="en-US"/>
           </a:p>
@@ -1877,7 +1877,7 @@
           <a:p>
             <a:fld id="{B1836D41-3C4D-1D49-AA54-4231464E6415}" type="datetimeFigureOut">
               <a:rPr lang="en-US" smtClean="0"/>
-              <a:t>12/3/2023</a:t>
+              <a:t>12/18/2023</a:t>
             </a:fld>
             <a:endParaRPr lang="en-US"/>
           </a:p>
@@ -2194,7 +2194,7 @@
           <a:p>
             <a:fld id="{B1836D41-3C4D-1D49-AA54-4231464E6415}" type="datetimeFigureOut">
               <a:rPr lang="en-US" smtClean="0"/>
-              <a:t>12/3/2023</a:t>
+              <a:t>12/18/2023</a:t>
             </a:fld>
             <a:endParaRPr lang="en-US"/>
           </a:p>
@@ -2660,7 +2660,7 @@
           <a:p>
             <a:fld id="{B1836D41-3C4D-1D49-AA54-4231464E6415}" type="datetimeFigureOut">
               <a:rPr lang="en-US" smtClean="0"/>
-              <a:t>12/3/2023</a:t>
+              <a:t>12/18/2023</a:t>
             </a:fld>
             <a:endParaRPr lang="en-US"/>
           </a:p>
@@ -2807,7 +2807,7 @@
           <a:p>
             <a:fld id="{B1836D41-3C4D-1D49-AA54-4231464E6415}" type="datetimeFigureOut">
               <a:rPr lang="en-US" smtClean="0"/>
-              <a:t>12/3/2023</a:t>
+              <a:t>12/18/2023</a:t>
             </a:fld>
             <a:endParaRPr lang="en-US"/>
           </a:p>
@@ -2897,7 +2897,7 @@
           <a:p>
             <a:fld id="{B1836D41-3C4D-1D49-AA54-4231464E6415}" type="datetimeFigureOut">
               <a:rPr lang="en-US" smtClean="0"/>
-              <a:t>12/3/2023</a:t>
+              <a:t>12/18/2023</a:t>
             </a:fld>
             <a:endParaRPr lang="en-US"/>
           </a:p>
@@ -3171,7 +3171,7 @@
           <a:p>
             <a:fld id="{B1836D41-3C4D-1D49-AA54-4231464E6415}" type="datetimeFigureOut">
               <a:rPr lang="en-US" smtClean="0"/>
-              <a:t>12/3/2023</a:t>
+              <a:t>12/18/2023</a:t>
             </a:fld>
             <a:endParaRPr lang="en-US"/>
           </a:p>
@@ -3476,7 +3476,7 @@
           <a:p>
             <a:fld id="{B1836D41-3C4D-1D49-AA54-4231464E6415}" type="datetimeFigureOut">
               <a:rPr lang="en-US" smtClean="0"/>
-              <a:t>12/3/2023</a:t>
+              <a:t>12/18/2023</a:t>
             </a:fld>
             <a:endParaRPr lang="en-US"/>
           </a:p>
@@ -3773,7 +3773,7 @@
           <a:p>
             <a:fld id="{B1836D41-3C4D-1D49-AA54-4231464E6415}" type="datetimeFigureOut">
               <a:rPr lang="en-US" smtClean="0"/>
-              <a:t>12/3/2023</a:t>
+              <a:t>12/18/2023</a:t>
             </a:fld>
             <a:endParaRPr lang="en-US"/>
           </a:p>
@@ -4372,8 +4372,55 @@
         </p:blipFill>
         <p:spPr bwMode="auto">
           <a:xfrm>
-            <a:off x="4196979" y="2265153"/>
+            <a:off x="651956" y="2048657"/>
             <a:ext cx="3570782" cy="3570782"/>
+          </a:xfrm>
+          <a:prstGeom prst="rect">
+            <a:avLst/>
+          </a:prstGeom>
+          <a:noFill/>
+          <a:extLst>
+            <a:ext uri="{909E8E84-426E-40DD-AFC4-6F175D3DCCD1}">
+              <a14:hiddenFill xmlns:a14="http://schemas.microsoft.com/office/drawing/2010/main">
+                <a:solidFill>
+                  <a:srgbClr val="FFFFFF"/>
+                </a:solidFill>
+              </a14:hiddenFill>
+            </a:ext>
+          </a:extLst>
+        </p:spPr>
+      </p:pic>
+      <p:pic>
+        <p:nvPicPr>
+          <p:cNvPr id="1026" name="Picture 2" descr="LRZ: Leibniz Supercomputing Centre Accelerates AI Innovation in Bavaria  with Next-Generation AI System from Cerebras Systems and Hewlett Packard  Enterprise">
+            <a:extLst>
+              <a:ext uri="{FF2B5EF4-FFF2-40B4-BE49-F238E27FC236}">
+                <a16:creationId xmlns:a16="http://schemas.microsoft.com/office/drawing/2014/main" id="{430E6867-8AF1-8357-434B-D254453507DB}"/>
+              </a:ext>
+            </a:extLst>
+          </p:cNvPr>
+          <p:cNvPicPr>
+            <a:picLocks noChangeAspect="1" noChangeArrowheads="1"/>
+          </p:cNvPicPr>
+          <p:nvPr/>
+        </p:nvPicPr>
+        <p:blipFill>
+          <a:blip r:embed="rId7">
+            <a:extLst>
+              <a:ext uri="{28A0092B-C50C-407E-A947-70E740481C1C}">
+                <a14:useLocalDpi xmlns:a14="http://schemas.microsoft.com/office/drawing/2010/main" val="0"/>
+              </a:ext>
+            </a:extLst>
+          </a:blip>
+          <a:srcRect/>
+          <a:stretch>
+            <a:fillRect/>
+          </a:stretch>
+        </p:blipFill>
+        <p:spPr bwMode="auto">
+          <a:xfrm>
+            <a:off x="7104112" y="2048657"/>
+            <a:ext cx="4609780" cy="3570782"/>
           </a:xfrm>
           <a:prstGeom prst="rect">
             <a:avLst/>
